--- a/test/pptx/incremental-lists/without-flag/templated.pptx
+++ b/test/pptx/incremental-lists/without-flag/templated.pptx
@@ -5774,35 +5774,35 @@
           <a:bodyPr/>
           <a:lstStyle/>
           <a:p>
-            <a:pPr lvl="1"/>
+            <a:pPr lvl="0"/>
             <a:r>
               <a:rPr/>
               <a:t>These</a:t>
             </a:r>
           </a:p>
           <a:p>
-            <a:pPr lvl="1"/>
+            <a:pPr lvl="0"/>
             <a:r>
               <a:rPr/>
               <a:t>bullets</a:t>
             </a:r>
           </a:p>
           <a:p>
-            <a:pPr lvl="1"/>
+            <a:pPr lvl="0"/>
             <a:r>
               <a:rPr/>
               <a:t>should</a:t>
             </a:r>
           </a:p>
           <a:p>
-            <a:pPr lvl="1"/>
+            <a:pPr lvl="0"/>
             <a:r>
               <a:rPr/>
               <a:t>be</a:t>
             </a:r>
           </a:p>
           <a:p>
-            <a:pPr lvl="1"/>
+            <a:pPr lvl="0"/>
             <a:r>
               <a:rPr/>
               <a:t>incremental</a:t>
@@ -6159,21 +6159,21 @@
             </a:r>
           </a:p>
           <a:p>
-            <a:pPr lvl="1"/>
+            <a:pPr lvl="0"/>
             <a:r>
               <a:rPr/>
               <a:t>one</a:t>
             </a:r>
           </a:p>
           <a:p>
-            <a:pPr lvl="1"/>
+            <a:pPr lvl="0"/>
             <a:r>
               <a:rPr/>
               <a:t>two</a:t>
             </a:r>
           </a:p>
           <a:p>
-            <a:pPr lvl="1"/>
+            <a:pPr lvl="0"/>
             <a:r>
               <a:rPr/>
               <a:t>three</a:t>
@@ -6189,21 +6189,21 @@
             </a:r>
           </a:p>
           <a:p>
-            <a:pPr lvl="1"/>
+            <a:pPr lvl="0"/>
             <a:r>
               <a:rPr/>
               <a:t>one</a:t>
             </a:r>
           </a:p>
           <a:p>
-            <a:pPr lvl="1"/>
+            <a:pPr lvl="0"/>
             <a:r>
               <a:rPr/>
               <a:t>two</a:t>
             </a:r>
           </a:p>
           <a:p>
-            <a:pPr lvl="1"/>
+            <a:pPr lvl="0"/>
             <a:r>
               <a:rPr/>
               <a:t>three</a:t>
@@ -6219,21 +6219,21 @@
             </a:r>
           </a:p>
           <a:p>
-            <a:pPr lvl="1"/>
+            <a:pPr lvl="0"/>
             <a:r>
               <a:rPr sz="2000"/>
               <a:t>one</a:t>
             </a:r>
           </a:p>
           <a:p>
-            <a:pPr lvl="1"/>
+            <a:pPr lvl="0"/>
             <a:r>
               <a:rPr sz="2000"/>
               <a:t>two</a:t>
             </a:r>
           </a:p>
           <a:p>
-            <a:pPr lvl="1"/>
+            <a:pPr lvl="0"/>
             <a:r>
               <a:rPr sz="2000"/>
               <a:t>three</a:t>
@@ -6630,42 +6630,42 @@
           <a:bodyPr/>
           <a:lstStyle/>
           <a:p>
-            <a:pPr lvl="1"/>
+            <a:pPr lvl="0"/>
             <a:r>
               <a:rPr/>
               <a:t>these</a:t>
             </a:r>
           </a:p>
           <a:p>
-            <a:pPr lvl="1"/>
+            <a:pPr lvl="0"/>
             <a:r>
               <a:rPr/>
               <a:t>are</a:t>
             </a:r>
           </a:p>
           <a:p>
-            <a:pPr lvl="1"/>
+            <a:pPr lvl="0"/>
             <a:r>
               <a:rPr/>
               <a:t>incremental</a:t>
             </a:r>
           </a:p>
           <a:p>
-            <a:pPr lvl="1"/>
+            <a:pPr lvl="0"/>
             <a:r>
               <a:rPr/>
               <a:t>these</a:t>
             </a:r>
           </a:p>
           <a:p>
-            <a:pPr lvl="1"/>
+            <a:pPr lvl="0"/>
             <a:r>
               <a:rPr/>
               <a:t>are</a:t>
             </a:r>
           </a:p>
           <a:p>
-            <a:pPr lvl="1"/>
+            <a:pPr lvl="0"/>
             <a:r>
               <a:rPr/>
               <a:t>not</a:t>
@@ -6915,21 +6915,21 @@
           <a:bodyPr/>
           <a:lstStyle/>
           <a:p>
-            <a:pPr lvl="1"/>
+            <a:pPr lvl="0"/>
             <a:r>
               <a:rPr/>
               <a:t>These</a:t>
             </a:r>
           </a:p>
           <a:p>
-            <a:pPr lvl="1"/>
+            <a:pPr lvl="0"/>
             <a:r>
               <a:rPr/>
               <a:t>are</a:t>
             </a:r>
           </a:p>
           <a:p>
-            <a:pPr lvl="1"/>
+            <a:pPr lvl="0"/>
             <a:r>
               <a:rPr/>
               <a:t>not</a:t>
@@ -7008,21 +7008,21 @@
             </a:r>
           </a:p>
           <a:p>
-            <a:pPr lvl="1"/>
+            <a:pPr lvl="0"/>
             <a:r>
               <a:rPr/>
               <a:t>also</a:t>
             </a:r>
           </a:p>
           <a:p>
-            <a:pPr lvl="1"/>
+            <a:pPr lvl="0"/>
             <a:r>
               <a:rPr/>
               <a:t>be</a:t>
             </a:r>
           </a:p>
           <a:p>
-            <a:pPr lvl="1"/>
+            <a:pPr lvl="0"/>
             <a:r>
               <a:rPr/>
               <a:t>incremental</a:t>
@@ -7272,7 +7272,7 @@
           <a:bodyPr/>
           <a:lstStyle/>
           <a:p>
-            <a:pPr lvl="1">
+            <a:pPr lvl="0">
               <a:buAutoNum type="arabicPeriod"/>
             </a:pPr>
             <a:r>
@@ -7281,7 +7281,7 @@
             </a:r>
           </a:p>
           <a:p>
-            <a:pPr lvl="1">
+            <a:pPr lvl="0">
               <a:buAutoNum type="arabicPeriod"/>
             </a:pPr>
             <a:r>
@@ -7290,7 +7290,7 @@
             </a:r>
           </a:p>
           <a:p>
-            <a:pPr lvl="1">
+            <a:pPr lvl="0">
               <a:buAutoNum type="arabicPeriod"/>
             </a:pPr>
             <a:r>
@@ -7560,21 +7560,21 @@
             </a:r>
           </a:p>
           <a:p>
-            <a:pPr lvl="1"/>
+            <a:pPr lvl="0"/>
             <a:r>
               <a:rPr/>
               <a:t>one</a:t>
             </a:r>
           </a:p>
           <a:p>
-            <a:pPr lvl="1"/>
+            <a:pPr lvl="0"/>
             <a:r>
               <a:rPr/>
               <a:t>by</a:t>
             </a:r>
           </a:p>
           <a:p>
-            <a:pPr lvl="1"/>
+            <a:pPr lvl="0"/>
             <a:r>
               <a:rPr/>
               <a:t>one</a:t>
@@ -7615,42 +7615,42 @@
             </a:r>
           </a:p>
           <a:p>
-            <a:pPr lvl="1"/>
+            <a:pPr lvl="0"/>
             <a:r>
               <a:rPr/>
               <a:t>one</a:t>
             </a:r>
           </a:p>
           <a:p>
-            <a:pPr lvl="1"/>
+            <a:pPr lvl="0"/>
             <a:r>
               <a:rPr/>
               <a:t>by</a:t>
             </a:r>
           </a:p>
           <a:p>
-            <a:pPr lvl="1"/>
+            <a:pPr lvl="0"/>
             <a:r>
               <a:rPr/>
               <a:t>one</a:t>
             </a:r>
           </a:p>
           <a:p>
-            <a:pPr lvl="1"/>
+            <a:pPr lvl="0"/>
             <a:r>
               <a:rPr/>
               <a:t>already</a:t>
             </a:r>
           </a:p>
           <a:p>
-            <a:pPr lvl="1"/>
+            <a:pPr lvl="0"/>
             <a:r>
               <a:rPr/>
               <a:t>here</a:t>
             </a:r>
           </a:p>
           <a:p>
-            <a:pPr lvl="1"/>
+            <a:pPr lvl="0"/>
             <a:r>
               <a:rPr/>
               <a:t>though</a:t>
@@ -8108,21 +8108,21 @@
           <a:bodyPr/>
           <a:lstStyle/>
           <a:p>
-            <a:pPr lvl="1"/>
+            <a:pPr lvl="0"/>
             <a:r>
               <a:rPr/>
               <a:t>An</a:t>
             </a:r>
           </a:p>
           <a:p>
-            <a:pPr lvl="1"/>
+            <a:pPr lvl="0"/>
             <a:r>
               <a:rPr/>
               <a:t>Incremental</a:t>
             </a:r>
           </a:p>
           <a:p>
-            <a:pPr lvl="1"/>
+            <a:pPr lvl="0"/>
             <a:r>
               <a:rPr/>
               <a:t>List</a:t>
@@ -8386,21 +8386,21 @@
             </a:r>
           </a:p>
           <a:p>
-            <a:pPr lvl="1"/>
+            <a:pPr lvl="0"/>
             <a:r>
               <a:rPr/>
               <a:t>one</a:t>
             </a:r>
           </a:p>
           <a:p>
-            <a:pPr lvl="1"/>
+            <a:pPr lvl="0"/>
             <a:r>
               <a:rPr/>
               <a:t>two</a:t>
             </a:r>
           </a:p>
           <a:p>
-            <a:pPr lvl="1"/>
+            <a:pPr lvl="0"/>
             <a:r>
               <a:rPr/>
               <a:t>three</a:t>
@@ -8724,21 +8724,21 @@
           <a:bodyPr/>
           <a:lstStyle/>
           <a:p>
-            <a:pPr lvl="1"/>
+            <a:pPr lvl="0"/>
             <a:r>
               <a:rPr/>
               <a:t>one</a:t>
             </a:r>
           </a:p>
           <a:p>
-            <a:pPr lvl="1"/>
+            <a:pPr lvl="0"/>
             <a:r>
               <a:rPr/>
               <a:t>two</a:t>
             </a:r>
           </a:p>
           <a:p>
-            <a:pPr lvl="1"/>
+            <a:pPr lvl="0"/>
             <a:r>
               <a:rPr/>
               <a:t>three</a:t>
@@ -8821,7 +8821,7 @@
           <a:bodyPr/>
           <a:lstStyle/>
           <a:p>
-            <a:pPr lvl="1">
+            <a:pPr lvl="0">
               <a:buAutoNum type="arabicPeriod"/>
             </a:pPr>
             <a:r>
@@ -8830,7 +8830,7 @@
             </a:r>
           </a:p>
           <a:p>
-            <a:pPr lvl="1">
+            <a:pPr lvl="0">
               <a:buAutoNum type="arabicPeriod"/>
             </a:pPr>
             <a:r>
@@ -8839,7 +8839,7 @@
             </a:r>
           </a:p>
           <a:p>
-            <a:pPr lvl="1">
+            <a:pPr lvl="0">
               <a:buAutoNum type="arabicPeriod"/>
             </a:pPr>
             <a:r>
@@ -9301,28 +9301,28 @@
           <a:bodyPr/>
           <a:lstStyle/>
           <a:p>
-            <a:pPr lvl="1"/>
+            <a:pPr lvl="0"/>
             <a:r>
               <a:rPr/>
               <a:t>these</a:t>
             </a:r>
           </a:p>
           <a:p>
-            <a:pPr lvl="1"/>
+            <a:pPr lvl="0"/>
             <a:r>
               <a:rPr/>
               <a:t>are</a:t>
             </a:r>
           </a:p>
           <a:p>
-            <a:pPr lvl="1"/>
+            <a:pPr lvl="0"/>
             <a:r>
               <a:rPr/>
               <a:t>incremental</a:t>
             </a:r>
           </a:p>
           <a:p>
-            <a:pPr lvl="1"/>
+            <a:pPr lvl="0"/>
             <a:r>
               <a:rPr/>
               <a:t>(the incremental class wins)</a:t>

--- a/test/pptx/incremental-lists/without-flag/templated.pptx
+++ b/test/pptx/incremental-lists/without-flag/templated.pptx
@@ -5749,7 +5749,7 @@
           <a:bodyPr/>
           <a:lstStyle/>
           <a:p>
-            <a:pPr lvl="0" marL="0" indent="0">
+            <a:pPr lvl="0" indent="0" marL="0">
               <a:buNone/>
             </a:pPr>
             <a:r>
@@ -6125,7 +6125,7 @@
           <a:bodyPr/>
           <a:lstStyle/>
           <a:p>
-            <a:pPr lvl="0" marL="0" indent="0">
+            <a:pPr lvl="0" indent="0" marL="0">
               <a:buNone/>
             </a:pPr>
             <a:r>
@@ -6150,7 +6150,7 @@
           <a:bodyPr/>
           <a:lstStyle/>
           <a:p>
-            <a:pPr lvl="0" marL="0" indent="0">
+            <a:pPr lvl="0" indent="0" marL="0">
               <a:buNone/>
             </a:pPr>
             <a:r>
@@ -6180,7 +6180,7 @@
             </a:r>
           </a:p>
           <a:p>
-            <a:pPr lvl="0" marL="0" indent="0">
+            <a:pPr lvl="0" indent="0" marL="0">
               <a:buNone/>
             </a:pPr>
             <a:r>
@@ -6210,7 +6210,7 @@
             </a:r>
           </a:p>
           <a:p>
-            <a:pPr lvl="0" marL="0" indent="0">
+            <a:pPr lvl="0" indent="0" marL="0">
               <a:buNone/>
             </a:pPr>
             <a:r>
@@ -6605,7 +6605,7 @@
           <a:bodyPr/>
           <a:lstStyle/>
           <a:p>
-            <a:pPr lvl="0" marL="0" indent="0">
+            <a:pPr lvl="0" indent="0" marL="0">
               <a:buNone/>
             </a:pPr>
             <a:r>
@@ -6890,7 +6890,7 @@
           <a:bodyPr/>
           <a:lstStyle/>
           <a:p>
-            <a:pPr lvl="0" marL="0" indent="0">
+            <a:pPr lvl="0" indent="0" marL="0">
               <a:buNone/>
             </a:pPr>
             <a:r>
@@ -6974,7 +6974,7 @@
           <a:bodyPr/>
           <a:lstStyle/>
           <a:p>
-            <a:pPr lvl="0" marL="0" indent="0">
+            <a:pPr lvl="0" indent="0" marL="0">
               <a:buNone/>
             </a:pPr>
             <a:r>
@@ -6999,7 +6999,7 @@
           <a:bodyPr/>
           <a:lstStyle/>
           <a:p>
-            <a:pPr lvl="0" marL="0" indent="0">
+            <a:pPr lvl="0" indent="0" marL="0">
               <a:buNone/>
             </a:pPr>
             <a:r>
@@ -7247,7 +7247,7 @@
           <a:bodyPr/>
           <a:lstStyle/>
           <a:p>
-            <a:pPr lvl="0" marL="0" indent="0">
+            <a:pPr lvl="0" indent="0" marL="0">
               <a:buNone/>
             </a:pPr>
             <a:r>
@@ -7272,7 +7272,7 @@
           <a:bodyPr/>
           <a:lstStyle/>
           <a:p>
-            <a:pPr lvl="0">
+            <a:pPr lvl="0" indent="-457200" marL="457200">
               <a:buAutoNum type="arabicPeriod"/>
             </a:pPr>
             <a:r>
@@ -7281,7 +7281,7 @@
             </a:r>
           </a:p>
           <a:p>
-            <a:pPr lvl="0">
+            <a:pPr lvl="0" indent="-457200" marL="457200">
               <a:buAutoNum type="arabicPeriod"/>
             </a:pPr>
             <a:r>
@@ -7290,7 +7290,7 @@
             </a:r>
           </a:p>
           <a:p>
-            <a:pPr lvl="0">
+            <a:pPr lvl="0" indent="-457200" marL="457200">
               <a:buAutoNum type="arabicPeriod"/>
             </a:pPr>
             <a:r>
@@ -7299,7 +7299,7 @@
             </a:r>
           </a:p>
           <a:p>
-            <a:pPr lvl="0" marL="0" indent="0">
+            <a:pPr lvl="0" indent="0" marL="0">
               <a:buNone/>
             </a:pPr>
             <a:r>
@@ -7526,7 +7526,7 @@
           <a:bodyPr/>
           <a:lstStyle/>
           <a:p>
-            <a:pPr lvl="0" marL="0" indent="0">
+            <a:pPr lvl="0" indent="0" marL="0">
               <a:buNone/>
             </a:pPr>
             <a:r>
@@ -7551,7 +7551,7 @@
           <a:bodyPr/>
           <a:lstStyle/>
           <a:p>
-            <a:pPr lvl="0" marL="0" indent="0">
+            <a:pPr lvl="0" indent="0" marL="0">
               <a:buNone/>
             </a:pPr>
             <a:r>
@@ -7581,7 +7581,7 @@
             </a:r>
           </a:p>
           <a:p>
-            <a:pPr lvl="0" marL="0" indent="0">
+            <a:pPr lvl="0" indent="0" marL="0">
               <a:buNone/>
             </a:pPr>
             <a:r>
@@ -7606,7 +7606,7 @@
           <a:bodyPr/>
           <a:lstStyle/>
           <a:p>
-            <a:pPr lvl="0" marL="0" indent="0">
+            <a:pPr lvl="0" indent="0" marL="0">
               <a:buNone/>
             </a:pPr>
             <a:r>
@@ -8023,7 +8023,7 @@
           <a:bodyPr/>
           <a:lstStyle/>
           <a:p>
-            <a:pPr lvl="0" marL="0" indent="0">
+            <a:pPr lvl="0" indent="0" marL="0">
               <a:buNone/>
             </a:pPr>
             <a:r>
@@ -8083,7 +8083,7 @@
           <a:bodyPr/>
           <a:lstStyle/>
           <a:p>
-            <a:pPr lvl="0" marL="0" indent="0" algn="ctr">
+            <a:pPr lvl="0" indent="0" marL="0" algn="ctr">
               <a:buNone/>
             </a:pPr>
             <a:r>
@@ -8352,7 +8352,7 @@
           <a:bodyPr/>
           <a:lstStyle/>
           <a:p>
-            <a:pPr lvl="0" marL="0" indent="0">
+            <a:pPr lvl="0" indent="0" marL="0">
               <a:buNone/>
             </a:pPr>
             <a:r>
@@ -8377,7 +8377,7 @@
           <a:bodyPr/>
           <a:lstStyle/>
           <a:p>
-            <a:pPr lvl="0" marL="0" indent="0">
+            <a:pPr lvl="0" indent="0" marL="0">
               <a:buNone/>
             </a:pPr>
             <a:r>
@@ -8407,7 +8407,7 @@
             </a:r>
           </a:p>
           <a:p>
-            <a:pPr lvl="0" marL="0" indent="0">
+            <a:pPr lvl="0" indent="0" marL="0">
               <a:buNone/>
             </a:pPr>
             <a:r>
@@ -8467,7 +8467,7 @@
           <a:bodyPr/>
           <a:lstStyle/>
           <a:p>
-            <a:pPr lvl="0" marL="0" indent="0" algn="ctr">
+            <a:pPr lvl="0" indent="0" marL="0" algn="ctr">
               <a:buNone/>
             </a:pPr>
             <a:r>
@@ -8699,7 +8699,7 @@
           <a:bodyPr/>
           <a:lstStyle/>
           <a:p>
-            <a:pPr lvl="0" marL="0" indent="0">
+            <a:pPr lvl="0" indent="0" marL="0">
               <a:buNone/>
             </a:pPr>
             <a:r>
@@ -8796,7 +8796,7 @@
           <a:bodyPr/>
           <a:lstStyle/>
           <a:p>
-            <a:pPr lvl="0" marL="0" indent="0" algn="ctr">
+            <a:pPr lvl="0" indent="0" marL="0" algn="ctr">
               <a:buNone/>
             </a:pPr>
             <a:r>
@@ -8821,7 +8821,7 @@
           <a:bodyPr/>
           <a:lstStyle/>
           <a:p>
-            <a:pPr lvl="0">
+            <a:pPr lvl="0" indent="-457200" marL="457200">
               <a:buAutoNum type="arabicPeriod"/>
             </a:pPr>
             <a:r>
@@ -8830,7 +8830,7 @@
             </a:r>
           </a:p>
           <a:p>
-            <a:pPr lvl="0">
+            <a:pPr lvl="0" indent="-457200" marL="457200">
               <a:buAutoNum type="arabicPeriod"/>
             </a:pPr>
             <a:r>
@@ -8839,7 +8839,7 @@
             </a:r>
           </a:p>
           <a:p>
-            <a:pPr lvl="0">
+            <a:pPr lvl="0" indent="-457200" marL="457200">
               <a:buAutoNum type="arabicPeriod"/>
             </a:pPr>
             <a:r>
@@ -8878,7 +8878,7 @@
                     <a:bodyPr/>
                     <a:lstStyle/>
                     <a:p>
-                      <a:pPr lvl="0" marL="0" indent="0">
+                      <a:pPr lvl="0" indent="0" marL="0">
                         <a:buNone/>
                       </a:pPr>
                       <a:r>
@@ -8896,7 +8896,7 @@
                     <a:bodyPr/>
                     <a:lstStyle/>
                     <a:p>
-                      <a:pPr lvl="0" marL="0" indent="0">
+                      <a:pPr lvl="0" indent="0" marL="0">
                         <a:buNone/>
                       </a:pPr>
                       <a:r>
@@ -9276,7 +9276,7 @@
           <a:bodyPr/>
           <a:lstStyle/>
           <a:p>
-            <a:pPr lvl="0" marL="0" indent="0">
+            <a:pPr lvl="0" indent="0" marL="0">
               <a:buNone/>
             </a:pPr>
             <a:r>

--- a/test/pptx/incremental-lists/without-flag/templated.pptx
+++ b/test/pptx/incremental-lists/without-flag/templated.pptx
@@ -5754,23 +5754,7 @@
             </a:pPr>
             <a:r>
               <a:rPr/>
-              <a:t>Slide</a:t>
-            </a:r>
-            <a:r>
-              <a:rPr/>
-              <a:t> </a:t>
-            </a:r>
-            <a:r>
-              <a:rPr/>
-              <a:t>1</a:t>
-            </a:r>
-            <a:r>
-              <a:rPr/>
-              <a:t> </a:t>
-            </a:r>
-            <a:r>
-              <a:rPr/>
-              <a:t>(Content)</a:t>
+              <a:t>Slide 1 (Content)</a:t>
             </a:r>
           </a:p>
         </p:txBody>
@@ -6146,23 +6130,7 @@
             </a:pPr>
             <a:r>
               <a:rPr/>
-              <a:t>Slide</a:t>
-            </a:r>
-            <a:r>
-              <a:rPr/>
-              <a:t> </a:t>
-            </a:r>
-            <a:r>
-              <a:rPr/>
-              <a:t>11</a:t>
-            </a:r>
-            <a:r>
-              <a:rPr/>
-              <a:t> </a:t>
-            </a:r>
-            <a:r>
-              <a:rPr/>
-              <a:t>(Content)</a:t>
+              <a:t>Slide 11 (Content)</a:t>
             </a:r>
           </a:p>
         </p:txBody>
@@ -6642,23 +6610,7 @@
             </a:pPr>
             <a:r>
               <a:rPr/>
-              <a:t>Slide</a:t>
-            </a:r>
-            <a:r>
-              <a:rPr/>
-              <a:t> </a:t>
-            </a:r>
-            <a:r>
-              <a:rPr/>
-              <a:t>12</a:t>
-            </a:r>
-            <a:r>
-              <a:rPr/>
-              <a:t> </a:t>
-            </a:r>
-            <a:r>
-              <a:rPr/>
-              <a:t>(Content)</a:t>
+              <a:t>Slide 12 (Content)</a:t>
             </a:r>
           </a:p>
         </p:txBody>
@@ -6943,23 +6895,7 @@
             </a:pPr>
             <a:r>
               <a:rPr/>
-              <a:t>Slide</a:t>
-            </a:r>
-            <a:r>
-              <a:rPr/>
-              <a:t> </a:t>
-            </a:r>
-            <a:r>
-              <a:rPr/>
-              <a:t>2</a:t>
-            </a:r>
-            <a:r>
-              <a:rPr/>
-              <a:t> </a:t>
-            </a:r>
-            <a:r>
-              <a:rPr/>
-              <a:t>(Content)</a:t>
+              <a:t>Slide 2 (Content)</a:t>
             </a:r>
           </a:p>
         </p:txBody>
@@ -7043,23 +6979,7 @@
             </a:pPr>
             <a:r>
               <a:rPr/>
-              <a:t>Slide</a:t>
-            </a:r>
-            <a:r>
-              <a:rPr/>
-              <a:t> </a:t>
-            </a:r>
-            <a:r>
-              <a:rPr/>
-              <a:t>3</a:t>
-            </a:r>
-            <a:r>
-              <a:rPr/>
-              <a:t> </a:t>
-            </a:r>
-            <a:r>
-              <a:rPr/>
-              <a:t>(Content)</a:t>
+              <a:t>Slide 3 (Content)</a:t>
             </a:r>
           </a:p>
         </p:txBody>
@@ -7332,23 +7252,7 @@
             </a:pPr>
             <a:r>
               <a:rPr/>
-              <a:t>Slide</a:t>
-            </a:r>
-            <a:r>
-              <a:rPr/>
-              <a:t> </a:t>
-            </a:r>
-            <a:r>
-              <a:rPr/>
-              <a:t>4</a:t>
-            </a:r>
-            <a:r>
-              <a:rPr/>
-              <a:t> </a:t>
-            </a:r>
-            <a:r>
-              <a:rPr/>
-              <a:t>(Content)</a:t>
+              <a:t>Slide 4 (Content)</a:t>
             </a:r>
           </a:p>
         </p:txBody>
@@ -7627,31 +7531,7 @@
             </a:pPr>
             <a:r>
               <a:rPr/>
-              <a:t>Slide</a:t>
-            </a:r>
-            <a:r>
-              <a:rPr/>
-              <a:t> </a:t>
-            </a:r>
-            <a:r>
-              <a:rPr/>
-              <a:t>5</a:t>
-            </a:r>
-            <a:r>
-              <a:rPr/>
-              <a:t> </a:t>
-            </a:r>
-            <a:r>
-              <a:rPr/>
-              <a:t>(Two</a:t>
-            </a:r>
-            <a:r>
-              <a:rPr/>
-              <a:t> </a:t>
-            </a:r>
-            <a:r>
-              <a:rPr/>
-              <a:t>Content)</a:t>
+              <a:t>Slide 5 (Two Content)</a:t>
             </a:r>
           </a:p>
         </p:txBody>
@@ -8148,39 +8028,7 @@
             </a:pPr>
             <a:r>
               <a:rPr/>
-              <a:t>Slide</a:t>
-            </a:r>
-            <a:r>
-              <a:rPr/>
-              <a:t> </a:t>
-            </a:r>
-            <a:r>
-              <a:rPr/>
-              <a:t>6</a:t>
-            </a:r>
-            <a:r>
-              <a:rPr/>
-              <a:t> </a:t>
-            </a:r>
-            <a:r>
-              <a:rPr/>
-              <a:t>(Two</a:t>
-            </a:r>
-            <a:r>
-              <a:rPr/>
-              <a:t> </a:t>
-            </a:r>
-            <a:r>
-              <a:rPr/>
-              <a:t>Content</a:t>
-            </a:r>
-            <a:r>
-              <a:rPr/>
-              <a:t> </a:t>
-            </a:r>
-            <a:r>
-              <a:rPr/>
-              <a:t>Right)</a:t>
+              <a:t>Slide 6 (Two Content Right)</a:t>
             </a:r>
           </a:p>
         </p:txBody>
@@ -8240,15 +8088,7 @@
             </a:pPr>
             <a:r>
               <a:rPr/>
-              <a:t>an</a:t>
-            </a:r>
-            <a:r>
-              <a:rPr/>
-              <a:t> </a:t>
-            </a:r>
-            <a:r>
-              <a:rPr/>
-              <a:t>image</a:t>
+              <a:t>an image</a:t>
             </a:r>
           </a:p>
         </p:txBody>
@@ -8517,39 +8357,7 @@
             </a:pPr>
             <a:r>
               <a:rPr/>
-              <a:t>Slide</a:t>
-            </a:r>
-            <a:r>
-              <a:rPr/>
-              <a:t> </a:t>
-            </a:r>
-            <a:r>
-              <a:rPr/>
-              <a:t>7</a:t>
-            </a:r>
-            <a:r>
-              <a:rPr/>
-              <a:t> </a:t>
-            </a:r>
-            <a:r>
-              <a:rPr/>
-              <a:t>(Content</a:t>
-            </a:r>
-            <a:r>
-              <a:rPr/>
-              <a:t> </a:t>
-            </a:r>
-            <a:r>
-              <a:rPr/>
-              <a:t>with</a:t>
-            </a:r>
-            <a:r>
-              <a:rPr/>
-              <a:t> </a:t>
-            </a:r>
-            <a:r>
-              <a:rPr/>
-              <a:t>Caption)</a:t>
+              <a:t>Slide 7 (Content with Caption)</a:t>
             </a:r>
           </a:p>
         </p:txBody>
@@ -8664,15 +8472,7 @@
             </a:pPr>
             <a:r>
               <a:rPr/>
-              <a:t>An</a:t>
-            </a:r>
-            <a:r>
-              <a:rPr/>
-              <a:t> </a:t>
-            </a:r>
-            <a:r>
-              <a:rPr/>
-              <a:t>image</a:t>
+              <a:t>An image</a:t>
             </a:r>
           </a:p>
         </p:txBody>
@@ -8904,23 +8704,7 @@
             </a:pPr>
             <a:r>
               <a:rPr/>
-              <a:t>Slide</a:t>
-            </a:r>
-            <a:r>
-              <a:rPr/>
-              <a:t> </a:t>
-            </a:r>
-            <a:r>
-              <a:rPr/>
-              <a:t>8</a:t>
-            </a:r>
-            <a:r>
-              <a:rPr/>
-              <a:t> </a:t>
-            </a:r>
-            <a:r>
-              <a:rPr/>
-              <a:t>(Comparison)</a:t>
+              <a:t>Slide 8 (Comparison)</a:t>
             </a:r>
           </a:p>
         </p:txBody>
@@ -9017,15 +8801,7 @@
             </a:pPr>
             <a:r>
               <a:rPr/>
-              <a:t>An</a:t>
-            </a:r>
-            <a:r>
-              <a:rPr/>
-              <a:t> </a:t>
-            </a:r>
-            <a:r>
-              <a:rPr/>
-              <a:t>image</a:t>
+              <a:t>An image</a:t>
             </a:r>
           </a:p>
         </p:txBody>
@@ -9505,23 +9281,7 @@
             </a:pPr>
             <a:r>
               <a:rPr/>
-              <a:t>Slide</a:t>
-            </a:r>
-            <a:r>
-              <a:rPr/>
-              <a:t> </a:t>
-            </a:r>
-            <a:r>
-              <a:rPr/>
-              <a:t>10</a:t>
-            </a:r>
-            <a:r>
-              <a:rPr/>
-              <a:t> </a:t>
-            </a:r>
-            <a:r>
-              <a:rPr/>
-              <a:t>(Content)</a:t>
+              <a:t>Slide 10 (Content)</a:t>
             </a:r>
           </a:p>
         </p:txBody>

--- a/test/pptx/incremental-lists/without-flag/templated.pptx
+++ b/test/pptx/incremental-lists/without-flag/templated.pptx
@@ -5754,19 +5754,11 @@
             </a:pPr>
             <a:r>
               <a:rPr/>
-              <a:t>Slide</a:t>
-            </a:r>
-            <a:r>
-              <a:rPr/>
-              <a:t> </a:t>
-            </a:r>
-            <a:r>
-              <a:rPr/>
-              <a:t>1</a:t>
-            </a:r>
-            <a:r>
-              <a:rPr/>
-              <a:t> </a:t>
+              <a:t>Slide </a:t>
+            </a:r>
+            <a:r>
+              <a:rPr/>
+              <a:t>1 </a:t>
             </a:r>
             <a:r>
               <a:rPr/>
@@ -6146,19 +6138,11 @@
             </a:pPr>
             <a:r>
               <a:rPr/>
-              <a:t>Slide</a:t>
-            </a:r>
-            <a:r>
-              <a:rPr/>
-              <a:t> </a:t>
-            </a:r>
-            <a:r>
-              <a:rPr/>
-              <a:t>11</a:t>
-            </a:r>
-            <a:r>
-              <a:rPr/>
-              <a:t> </a:t>
+              <a:t>Slide </a:t>
+            </a:r>
+            <a:r>
+              <a:rPr/>
+              <a:t>11 </a:t>
             </a:r>
             <a:r>
               <a:rPr/>
@@ -6642,19 +6626,11 @@
             </a:pPr>
             <a:r>
               <a:rPr/>
-              <a:t>Slide</a:t>
-            </a:r>
-            <a:r>
-              <a:rPr/>
-              <a:t> </a:t>
-            </a:r>
-            <a:r>
-              <a:rPr/>
-              <a:t>12</a:t>
-            </a:r>
-            <a:r>
-              <a:rPr/>
-              <a:t> </a:t>
+              <a:t>Slide </a:t>
+            </a:r>
+            <a:r>
+              <a:rPr/>
+              <a:t>12 </a:t>
             </a:r>
             <a:r>
               <a:rPr/>
@@ -6943,19 +6919,11 @@
             </a:pPr>
             <a:r>
               <a:rPr/>
-              <a:t>Slide</a:t>
-            </a:r>
-            <a:r>
-              <a:rPr/>
-              <a:t> </a:t>
-            </a:r>
-            <a:r>
-              <a:rPr/>
-              <a:t>2</a:t>
-            </a:r>
-            <a:r>
-              <a:rPr/>
-              <a:t> </a:t>
+              <a:t>Slide </a:t>
+            </a:r>
+            <a:r>
+              <a:rPr/>
+              <a:t>2 </a:t>
             </a:r>
             <a:r>
               <a:rPr/>
@@ -7043,19 +7011,11 @@
             </a:pPr>
             <a:r>
               <a:rPr/>
-              <a:t>Slide</a:t>
-            </a:r>
-            <a:r>
-              <a:rPr/>
-              <a:t> </a:t>
-            </a:r>
-            <a:r>
-              <a:rPr/>
-              <a:t>3</a:t>
-            </a:r>
-            <a:r>
-              <a:rPr/>
-              <a:t> </a:t>
+              <a:t>Slide </a:t>
+            </a:r>
+            <a:r>
+              <a:rPr/>
+              <a:t>3 </a:t>
             </a:r>
             <a:r>
               <a:rPr/>
@@ -7332,19 +7292,11 @@
             </a:pPr>
             <a:r>
               <a:rPr/>
-              <a:t>Slide</a:t>
-            </a:r>
-            <a:r>
-              <a:rPr/>
-              <a:t> </a:t>
-            </a:r>
-            <a:r>
-              <a:rPr/>
-              <a:t>4</a:t>
-            </a:r>
-            <a:r>
-              <a:rPr/>
-              <a:t> </a:t>
+              <a:t>Slide </a:t>
+            </a:r>
+            <a:r>
+              <a:rPr/>
+              <a:t>4 </a:t>
             </a:r>
             <a:r>
               <a:rPr/>
@@ -7627,27 +7579,15 @@
             </a:pPr>
             <a:r>
               <a:rPr/>
-              <a:t>Slide</a:t>
-            </a:r>
-            <a:r>
-              <a:rPr/>
-              <a:t> </a:t>
-            </a:r>
-            <a:r>
-              <a:rPr/>
-              <a:t>5</a:t>
-            </a:r>
-            <a:r>
-              <a:rPr/>
-              <a:t> </a:t>
-            </a:r>
-            <a:r>
-              <a:rPr/>
-              <a:t>(Two</a:t>
-            </a:r>
-            <a:r>
-              <a:rPr/>
-              <a:t> </a:t>
+              <a:t>Slide </a:t>
+            </a:r>
+            <a:r>
+              <a:rPr/>
+              <a:t>5 </a:t>
+            </a:r>
+            <a:r>
+              <a:rPr/>
+              <a:t>(Two </a:t>
             </a:r>
             <a:r>
               <a:rPr/>
@@ -8148,35 +8088,19 @@
             </a:pPr>
             <a:r>
               <a:rPr/>
-              <a:t>Slide</a:t>
-            </a:r>
-            <a:r>
-              <a:rPr/>
-              <a:t> </a:t>
-            </a:r>
-            <a:r>
-              <a:rPr/>
-              <a:t>6</a:t>
-            </a:r>
-            <a:r>
-              <a:rPr/>
-              <a:t> </a:t>
-            </a:r>
-            <a:r>
-              <a:rPr/>
-              <a:t>(Two</a:t>
-            </a:r>
-            <a:r>
-              <a:rPr/>
-              <a:t> </a:t>
-            </a:r>
-            <a:r>
-              <a:rPr/>
-              <a:t>Content</a:t>
-            </a:r>
-            <a:r>
-              <a:rPr/>
-              <a:t> </a:t>
+              <a:t>Slide </a:t>
+            </a:r>
+            <a:r>
+              <a:rPr/>
+              <a:t>6 </a:t>
+            </a:r>
+            <a:r>
+              <a:rPr/>
+              <a:t>(Two </a:t>
+            </a:r>
+            <a:r>
+              <a:rPr/>
+              <a:t>Content </a:t>
             </a:r>
             <a:r>
               <a:rPr/>
@@ -8240,11 +8164,7 @@
             </a:pPr>
             <a:r>
               <a:rPr/>
-              <a:t>an</a:t>
-            </a:r>
-            <a:r>
-              <a:rPr/>
-              <a:t> </a:t>
+              <a:t>an </a:t>
             </a:r>
             <a:r>
               <a:rPr/>
@@ -8517,35 +8437,19 @@
             </a:pPr>
             <a:r>
               <a:rPr/>
-              <a:t>Slide</a:t>
-            </a:r>
-            <a:r>
-              <a:rPr/>
-              <a:t> </a:t>
-            </a:r>
-            <a:r>
-              <a:rPr/>
-              <a:t>7</a:t>
-            </a:r>
-            <a:r>
-              <a:rPr/>
-              <a:t> </a:t>
-            </a:r>
-            <a:r>
-              <a:rPr/>
-              <a:t>(Content</a:t>
-            </a:r>
-            <a:r>
-              <a:rPr/>
-              <a:t> </a:t>
-            </a:r>
-            <a:r>
-              <a:rPr/>
-              <a:t>with</a:t>
-            </a:r>
-            <a:r>
-              <a:rPr/>
-              <a:t> </a:t>
+              <a:t>Slide </a:t>
+            </a:r>
+            <a:r>
+              <a:rPr/>
+              <a:t>7 </a:t>
+            </a:r>
+            <a:r>
+              <a:rPr/>
+              <a:t>(Content </a:t>
+            </a:r>
+            <a:r>
+              <a:rPr/>
+              <a:t>with </a:t>
             </a:r>
             <a:r>
               <a:rPr/>
@@ -8664,11 +8568,7 @@
             </a:pPr>
             <a:r>
               <a:rPr/>
-              <a:t>An</a:t>
-            </a:r>
-            <a:r>
-              <a:rPr/>
-              <a:t> </a:t>
+              <a:t>An </a:t>
             </a:r>
             <a:r>
               <a:rPr/>
@@ -8904,19 +8804,11 @@
             </a:pPr>
             <a:r>
               <a:rPr/>
-              <a:t>Slide</a:t>
-            </a:r>
-            <a:r>
-              <a:rPr/>
-              <a:t> </a:t>
-            </a:r>
-            <a:r>
-              <a:rPr/>
-              <a:t>8</a:t>
-            </a:r>
-            <a:r>
-              <a:rPr/>
-              <a:t> </a:t>
+              <a:t>Slide </a:t>
+            </a:r>
+            <a:r>
+              <a:rPr/>
+              <a:t>8 </a:t>
             </a:r>
             <a:r>
               <a:rPr/>
@@ -9017,11 +8909,7 @@
             </a:pPr>
             <a:r>
               <a:rPr/>
-              <a:t>An</a:t>
-            </a:r>
-            <a:r>
-              <a:rPr/>
-              <a:t> </a:t>
+              <a:t>An </a:t>
             </a:r>
             <a:r>
               <a:rPr/>
@@ -9505,19 +9393,11 @@
             </a:pPr>
             <a:r>
               <a:rPr/>
-              <a:t>Slide</a:t>
-            </a:r>
-            <a:r>
-              <a:rPr/>
-              <a:t> </a:t>
-            </a:r>
-            <a:r>
-              <a:rPr/>
-              <a:t>10</a:t>
-            </a:r>
-            <a:r>
-              <a:rPr/>
-              <a:t> </a:t>
+              <a:t>Slide </a:t>
+            </a:r>
+            <a:r>
+              <a:rPr/>
+              <a:t>10 </a:t>
             </a:r>
             <a:r>
               <a:rPr/>

--- a/test/pptx/incremental-lists/without-flag/templated.pptx
+++ b/test/pptx/incremental-lists/without-flag/templated.pptx
@@ -5754,11 +5754,19 @@
             </a:pPr>
             <a:r>
               <a:rPr/>
-              <a:t>Slide </a:t>
-            </a:r>
-            <a:r>
-              <a:rPr/>
-              <a:t>1 </a:t>
+              <a:t>Slide</a:t>
+            </a:r>
+            <a:r>
+              <a:rPr/>
+              <a:t> </a:t>
+            </a:r>
+            <a:r>
+              <a:rPr/>
+              <a:t>1</a:t>
+            </a:r>
+            <a:r>
+              <a:rPr/>
+              <a:t> </a:t>
             </a:r>
             <a:r>
               <a:rPr/>
@@ -6138,11 +6146,19 @@
             </a:pPr>
             <a:r>
               <a:rPr/>
-              <a:t>Slide </a:t>
-            </a:r>
-            <a:r>
-              <a:rPr/>
-              <a:t>11 </a:t>
+              <a:t>Slide</a:t>
+            </a:r>
+            <a:r>
+              <a:rPr/>
+              <a:t> </a:t>
+            </a:r>
+            <a:r>
+              <a:rPr/>
+              <a:t>11</a:t>
+            </a:r>
+            <a:r>
+              <a:rPr/>
+              <a:t> </a:t>
             </a:r>
             <a:r>
               <a:rPr/>
@@ -6626,11 +6642,19 @@
             </a:pPr>
             <a:r>
               <a:rPr/>
-              <a:t>Slide </a:t>
-            </a:r>
-            <a:r>
-              <a:rPr/>
-              <a:t>12 </a:t>
+              <a:t>Slide</a:t>
+            </a:r>
+            <a:r>
+              <a:rPr/>
+              <a:t> </a:t>
+            </a:r>
+            <a:r>
+              <a:rPr/>
+              <a:t>12</a:t>
+            </a:r>
+            <a:r>
+              <a:rPr/>
+              <a:t> </a:t>
             </a:r>
             <a:r>
               <a:rPr/>
@@ -6919,11 +6943,19 @@
             </a:pPr>
             <a:r>
               <a:rPr/>
-              <a:t>Slide </a:t>
-            </a:r>
-            <a:r>
-              <a:rPr/>
-              <a:t>2 </a:t>
+              <a:t>Slide</a:t>
+            </a:r>
+            <a:r>
+              <a:rPr/>
+              <a:t> </a:t>
+            </a:r>
+            <a:r>
+              <a:rPr/>
+              <a:t>2</a:t>
+            </a:r>
+            <a:r>
+              <a:rPr/>
+              <a:t> </a:t>
             </a:r>
             <a:r>
               <a:rPr/>
@@ -7011,11 +7043,19 @@
             </a:pPr>
             <a:r>
               <a:rPr/>
-              <a:t>Slide </a:t>
-            </a:r>
-            <a:r>
-              <a:rPr/>
-              <a:t>3 </a:t>
+              <a:t>Slide</a:t>
+            </a:r>
+            <a:r>
+              <a:rPr/>
+              <a:t> </a:t>
+            </a:r>
+            <a:r>
+              <a:rPr/>
+              <a:t>3</a:t>
+            </a:r>
+            <a:r>
+              <a:rPr/>
+              <a:t> </a:t>
             </a:r>
             <a:r>
               <a:rPr/>
@@ -7292,11 +7332,19 @@
             </a:pPr>
             <a:r>
               <a:rPr/>
-              <a:t>Slide </a:t>
-            </a:r>
-            <a:r>
-              <a:rPr/>
-              <a:t>4 </a:t>
+              <a:t>Slide</a:t>
+            </a:r>
+            <a:r>
+              <a:rPr/>
+              <a:t> </a:t>
+            </a:r>
+            <a:r>
+              <a:rPr/>
+              <a:t>4</a:t>
+            </a:r>
+            <a:r>
+              <a:rPr/>
+              <a:t> </a:t>
             </a:r>
             <a:r>
               <a:rPr/>
@@ -7579,15 +7627,27 @@
             </a:pPr>
             <a:r>
               <a:rPr/>
-              <a:t>Slide </a:t>
-            </a:r>
-            <a:r>
-              <a:rPr/>
-              <a:t>5 </a:t>
-            </a:r>
-            <a:r>
-              <a:rPr/>
-              <a:t>(Two </a:t>
+              <a:t>Slide</a:t>
+            </a:r>
+            <a:r>
+              <a:rPr/>
+              <a:t> </a:t>
+            </a:r>
+            <a:r>
+              <a:rPr/>
+              <a:t>5</a:t>
+            </a:r>
+            <a:r>
+              <a:rPr/>
+              <a:t> </a:t>
+            </a:r>
+            <a:r>
+              <a:rPr/>
+              <a:t>(Two</a:t>
+            </a:r>
+            <a:r>
+              <a:rPr/>
+              <a:t> </a:t>
             </a:r>
             <a:r>
               <a:rPr/>
@@ -8088,19 +8148,35 @@
             </a:pPr>
             <a:r>
               <a:rPr/>
-              <a:t>Slide </a:t>
-            </a:r>
-            <a:r>
-              <a:rPr/>
-              <a:t>6 </a:t>
-            </a:r>
-            <a:r>
-              <a:rPr/>
-              <a:t>(Two </a:t>
-            </a:r>
-            <a:r>
-              <a:rPr/>
-              <a:t>Content </a:t>
+              <a:t>Slide</a:t>
+            </a:r>
+            <a:r>
+              <a:rPr/>
+              <a:t> </a:t>
+            </a:r>
+            <a:r>
+              <a:rPr/>
+              <a:t>6</a:t>
+            </a:r>
+            <a:r>
+              <a:rPr/>
+              <a:t> </a:t>
+            </a:r>
+            <a:r>
+              <a:rPr/>
+              <a:t>(Two</a:t>
+            </a:r>
+            <a:r>
+              <a:rPr/>
+              <a:t> </a:t>
+            </a:r>
+            <a:r>
+              <a:rPr/>
+              <a:t>Content</a:t>
+            </a:r>
+            <a:r>
+              <a:rPr/>
+              <a:t> </a:t>
             </a:r>
             <a:r>
               <a:rPr/>
@@ -8164,7 +8240,11 @@
             </a:pPr>
             <a:r>
               <a:rPr/>
-              <a:t>an </a:t>
+              <a:t>an</a:t>
+            </a:r>
+            <a:r>
+              <a:rPr/>
+              <a:t> </a:t>
             </a:r>
             <a:r>
               <a:rPr/>
@@ -8437,19 +8517,35 @@
             </a:pPr>
             <a:r>
               <a:rPr/>
-              <a:t>Slide </a:t>
-            </a:r>
-            <a:r>
-              <a:rPr/>
-              <a:t>7 </a:t>
-            </a:r>
-            <a:r>
-              <a:rPr/>
-              <a:t>(Content </a:t>
-            </a:r>
-            <a:r>
-              <a:rPr/>
-              <a:t>with </a:t>
+              <a:t>Slide</a:t>
+            </a:r>
+            <a:r>
+              <a:rPr/>
+              <a:t> </a:t>
+            </a:r>
+            <a:r>
+              <a:rPr/>
+              <a:t>7</a:t>
+            </a:r>
+            <a:r>
+              <a:rPr/>
+              <a:t> </a:t>
+            </a:r>
+            <a:r>
+              <a:rPr/>
+              <a:t>(Content</a:t>
+            </a:r>
+            <a:r>
+              <a:rPr/>
+              <a:t> </a:t>
+            </a:r>
+            <a:r>
+              <a:rPr/>
+              <a:t>with</a:t>
+            </a:r>
+            <a:r>
+              <a:rPr/>
+              <a:t> </a:t>
             </a:r>
             <a:r>
               <a:rPr/>
@@ -8568,7 +8664,11 @@
             </a:pPr>
             <a:r>
               <a:rPr/>
-              <a:t>An </a:t>
+              <a:t>An</a:t>
+            </a:r>
+            <a:r>
+              <a:rPr/>
+              <a:t> </a:t>
             </a:r>
             <a:r>
               <a:rPr/>
@@ -8804,11 +8904,19 @@
             </a:pPr>
             <a:r>
               <a:rPr/>
-              <a:t>Slide </a:t>
-            </a:r>
-            <a:r>
-              <a:rPr/>
-              <a:t>8 </a:t>
+              <a:t>Slide</a:t>
+            </a:r>
+            <a:r>
+              <a:rPr/>
+              <a:t> </a:t>
+            </a:r>
+            <a:r>
+              <a:rPr/>
+              <a:t>8</a:t>
+            </a:r>
+            <a:r>
+              <a:rPr/>
+              <a:t> </a:t>
             </a:r>
             <a:r>
               <a:rPr/>
@@ -8909,7 +9017,11 @@
             </a:pPr>
             <a:r>
               <a:rPr/>
-              <a:t>An </a:t>
+              <a:t>An</a:t>
+            </a:r>
+            <a:r>
+              <a:rPr/>
+              <a:t> </a:t>
             </a:r>
             <a:r>
               <a:rPr/>
@@ -9393,11 +9505,19 @@
             </a:pPr>
             <a:r>
               <a:rPr/>
-              <a:t>Slide </a:t>
-            </a:r>
-            <a:r>
-              <a:rPr/>
-              <a:t>10 </a:t>
+              <a:t>Slide</a:t>
+            </a:r>
+            <a:r>
+              <a:rPr/>
+              <a:t> </a:t>
+            </a:r>
+            <a:r>
+              <a:rPr/>
+              <a:t>10</a:t>
+            </a:r>
+            <a:r>
+              <a:rPr/>
+              <a:t> </a:t>
             </a:r>
             <a:r>
               <a:rPr/>
